--- a/Powerpoint/Module08-CustomizingFormat.pptx
+++ b/Powerpoint/Module08-CustomizingFormat.pptx
@@ -111,6 +111,22 @@
       </a:defRPr>
     </a:lvl9pPr>
   </p:defaultTextStyle>
+  <p:extLst>
+    <p:ext uri="{EFAFB233-063F-42B5-8137-9DF3F51BA10A}">
+      <p15:sldGuideLst xmlns:p15="http://schemas.microsoft.com/office/powerpoint/2012/main">
+        <p15:guide id="1" orient="horz" pos="2160">
+          <p15:clr>
+            <a:srgbClr val="A4A3A4"/>
+          </p15:clr>
+        </p15:guide>
+        <p15:guide id="2" pos="2880">
+          <p15:clr>
+            <a:srgbClr val="A4A3A4"/>
+          </p15:clr>
+        </p15:guide>
+      </p15:sldGuideLst>
+    </p:ext>
+  </p:extLst>
 </p:presentation>
 </file>
 
@@ -158,7 +174,7 @@
           </a:lstStyle>
           <a:p>
             <a:r>
-              <a:rPr lang="en-US" smtClean="0"/>
+              <a:rPr lang="en-US"/>
               <a:t>Click to edit Master title style</a:t>
             </a:r>
             <a:endParaRPr lang="en-US" dirty="0"/>
@@ -278,7 +294,7 @@
           </a:lstStyle>
           <a:p>
             <a:r>
-              <a:rPr lang="en-US" smtClean="0"/>
+              <a:rPr lang="en-US"/>
               <a:t>Click to edit Master subtitle style</a:t>
             </a:r>
             <a:endParaRPr lang="en-US" dirty="0"/>
@@ -391,10 +407,9 @@
           <a:lstStyle/>
           <a:p>
             <a:r>
-              <a:rPr lang="en-US" smtClean="0"/>
+              <a:rPr lang="en-US"/>
               <a:t>Click to edit Master title style</a:t>
             </a:r>
-            <a:endParaRPr lang="en-US"/>
           </a:p>
         </p:txBody>
       </p:sp>
@@ -415,38 +430,37 @@
           <a:p>
             <a:pPr lvl="0"/>
             <a:r>
-              <a:rPr lang="en-US" smtClean="0"/>
+              <a:rPr lang="en-US"/>
               <a:t>Click to edit Master text styles</a:t>
             </a:r>
           </a:p>
           <a:p>
             <a:pPr lvl="1"/>
             <a:r>
-              <a:rPr lang="en-US" smtClean="0"/>
+              <a:rPr lang="en-US"/>
               <a:t>Second level</a:t>
             </a:r>
           </a:p>
           <a:p>
             <a:pPr lvl="2"/>
             <a:r>
-              <a:rPr lang="en-US" smtClean="0"/>
+              <a:rPr lang="en-US"/>
               <a:t>Third level</a:t>
             </a:r>
           </a:p>
           <a:p>
             <a:pPr lvl="3"/>
             <a:r>
-              <a:rPr lang="en-US" smtClean="0"/>
+              <a:rPr lang="en-US"/>
               <a:t>Fourth level</a:t>
             </a:r>
           </a:p>
           <a:p>
             <a:pPr lvl="4"/>
             <a:r>
-              <a:rPr lang="en-US" smtClean="0"/>
+              <a:rPr lang="en-US"/>
               <a:t>Fifth level</a:t>
             </a:r>
-            <a:endParaRPr lang="en-US"/>
           </a:p>
         </p:txBody>
       </p:sp>
@@ -484,10 +498,9 @@
           </a:lstStyle>
           <a:p>
             <a:r>
-              <a:rPr lang="en-US" dirty="0" smtClean="0"/>
+              <a:rPr lang="en-US" dirty="0"/>
               <a:t>©Concentrated Technology</a:t>
             </a:r>
-            <a:endParaRPr lang="en-US" dirty="0"/>
           </a:p>
         </p:txBody>
       </p:sp>
@@ -548,7 +561,7 @@
           </a:lstStyle>
           <a:p>
             <a:r>
-              <a:rPr lang="en-US" smtClean="0"/>
+              <a:rPr lang="en-US"/>
               <a:t>Click to edit Master title style</a:t>
             </a:r>
             <a:endParaRPr lang="en-US" dirty="0"/>
@@ -668,7 +681,7 @@
           <a:p>
             <a:pPr lvl="0"/>
             <a:r>
-              <a:rPr lang="en-US" smtClean="0"/>
+              <a:rPr lang="en-US"/>
               <a:t>Click to edit Master text styles</a:t>
             </a:r>
           </a:p>
@@ -743,10 +756,9 @@
           </a:lstStyle>
           <a:p>
             <a:r>
-              <a:rPr lang="en-US" dirty="0" smtClean="0"/>
+              <a:rPr lang="en-US" dirty="0"/>
               <a:t>©Concentrated Technology</a:t>
             </a:r>
-            <a:endParaRPr lang="en-US" dirty="0"/>
           </a:p>
         </p:txBody>
       </p:sp>
@@ -791,10 +803,9 @@
           <a:lstStyle/>
           <a:p>
             <a:r>
-              <a:rPr lang="en-US" smtClean="0"/>
+              <a:rPr lang="en-US"/>
               <a:t>Click to edit Master title style</a:t>
             </a:r>
-            <a:endParaRPr lang="en-US"/>
           </a:p>
         </p:txBody>
       </p:sp>
@@ -848,35 +859,35 @@
           <a:p>
             <a:pPr lvl="0"/>
             <a:r>
-              <a:rPr lang="en-US" smtClean="0"/>
+              <a:rPr lang="en-US"/>
               <a:t>Click to edit Master text styles</a:t>
             </a:r>
           </a:p>
           <a:p>
             <a:pPr lvl="1"/>
             <a:r>
-              <a:rPr lang="en-US" smtClean="0"/>
+              <a:rPr lang="en-US"/>
               <a:t>Second level</a:t>
             </a:r>
           </a:p>
           <a:p>
             <a:pPr lvl="2"/>
             <a:r>
-              <a:rPr lang="en-US" smtClean="0"/>
+              <a:rPr lang="en-US"/>
               <a:t>Third level</a:t>
             </a:r>
           </a:p>
           <a:p>
             <a:pPr lvl="3"/>
             <a:r>
-              <a:rPr lang="en-US" smtClean="0"/>
+              <a:rPr lang="en-US"/>
               <a:t>Fourth level</a:t>
             </a:r>
           </a:p>
           <a:p>
             <a:pPr lvl="4"/>
             <a:r>
-              <a:rPr lang="en-US" smtClean="0"/>
+              <a:rPr lang="en-US"/>
               <a:t>Fifth level</a:t>
             </a:r>
             <a:endParaRPr lang="en-US" dirty="0"/>
@@ -933,35 +944,35 @@
           <a:p>
             <a:pPr lvl="0"/>
             <a:r>
-              <a:rPr lang="en-US" smtClean="0"/>
+              <a:rPr lang="en-US"/>
               <a:t>Click to edit Master text styles</a:t>
             </a:r>
           </a:p>
           <a:p>
             <a:pPr lvl="1"/>
             <a:r>
-              <a:rPr lang="en-US" smtClean="0"/>
+              <a:rPr lang="en-US"/>
               <a:t>Second level</a:t>
             </a:r>
           </a:p>
           <a:p>
             <a:pPr lvl="2"/>
             <a:r>
-              <a:rPr lang="en-US" smtClean="0"/>
+              <a:rPr lang="en-US"/>
               <a:t>Third level</a:t>
             </a:r>
           </a:p>
           <a:p>
             <a:pPr lvl="3"/>
             <a:r>
-              <a:rPr lang="en-US" smtClean="0"/>
+              <a:rPr lang="en-US"/>
               <a:t>Fourth level</a:t>
             </a:r>
           </a:p>
           <a:p>
             <a:pPr lvl="4"/>
             <a:r>
-              <a:rPr lang="en-US" smtClean="0"/>
+              <a:rPr lang="en-US"/>
               <a:t>Fifth level</a:t>
             </a:r>
             <a:endParaRPr lang="en-US" dirty="0"/>
@@ -1002,10 +1013,9 @@
           </a:lstStyle>
           <a:p>
             <a:r>
-              <a:rPr lang="en-US" dirty="0" smtClean="0"/>
+              <a:rPr lang="en-US" dirty="0"/>
               <a:t>©Concentrated Technology</a:t>
             </a:r>
-            <a:endParaRPr lang="en-US" dirty="0"/>
           </a:p>
         </p:txBody>
       </p:sp>
@@ -1054,7 +1064,7 @@
           </a:lstStyle>
           <a:p>
             <a:r>
-              <a:rPr lang="en-US" smtClean="0"/>
+              <a:rPr lang="en-US"/>
               <a:t>Click to edit Master title style</a:t>
             </a:r>
             <a:endParaRPr lang="en-US" dirty="0"/>
@@ -1143,7 +1153,7 @@
           <a:p>
             <a:pPr lvl="0"/>
             <a:r>
-              <a:rPr lang="en-US" smtClean="0"/>
+              <a:rPr lang="en-US"/>
               <a:t>Click to edit Master text styles</a:t>
             </a:r>
           </a:p>
@@ -1199,35 +1209,35 @@
           <a:p>
             <a:pPr lvl="0"/>
             <a:r>
-              <a:rPr lang="en-US" smtClean="0"/>
+              <a:rPr lang="en-US"/>
               <a:t>Click to edit Master text styles</a:t>
             </a:r>
           </a:p>
           <a:p>
             <a:pPr lvl="1"/>
             <a:r>
-              <a:rPr lang="en-US" smtClean="0"/>
+              <a:rPr lang="en-US"/>
               <a:t>Second level</a:t>
             </a:r>
           </a:p>
           <a:p>
             <a:pPr lvl="2"/>
             <a:r>
-              <a:rPr lang="en-US" smtClean="0"/>
+              <a:rPr lang="en-US"/>
               <a:t>Third level</a:t>
             </a:r>
           </a:p>
           <a:p>
             <a:pPr lvl="3"/>
             <a:r>
-              <a:rPr lang="en-US" smtClean="0"/>
+              <a:rPr lang="en-US"/>
               <a:t>Fourth level</a:t>
             </a:r>
           </a:p>
           <a:p>
             <a:pPr lvl="4"/>
             <a:r>
-              <a:rPr lang="en-US" smtClean="0"/>
+              <a:rPr lang="en-US"/>
               <a:t>Fifth level</a:t>
             </a:r>
             <a:endParaRPr lang="en-US" dirty="0"/>
@@ -1319,7 +1329,7 @@
           <a:p>
             <a:pPr lvl="0"/>
             <a:r>
-              <a:rPr lang="en-US" smtClean="0"/>
+              <a:rPr lang="en-US"/>
               <a:t>Click to edit Master text styles</a:t>
             </a:r>
           </a:p>
@@ -1375,35 +1385,35 @@
           <a:p>
             <a:pPr lvl="0"/>
             <a:r>
-              <a:rPr lang="en-US" smtClean="0"/>
+              <a:rPr lang="en-US"/>
               <a:t>Click to edit Master text styles</a:t>
             </a:r>
           </a:p>
           <a:p>
             <a:pPr lvl="1"/>
             <a:r>
-              <a:rPr lang="en-US" smtClean="0"/>
+              <a:rPr lang="en-US"/>
               <a:t>Second level</a:t>
             </a:r>
           </a:p>
           <a:p>
             <a:pPr lvl="2"/>
             <a:r>
-              <a:rPr lang="en-US" smtClean="0"/>
+              <a:rPr lang="en-US"/>
               <a:t>Third level</a:t>
             </a:r>
           </a:p>
           <a:p>
             <a:pPr lvl="3"/>
             <a:r>
-              <a:rPr lang="en-US" smtClean="0"/>
+              <a:rPr lang="en-US"/>
               <a:t>Fourth level</a:t>
             </a:r>
           </a:p>
           <a:p>
             <a:pPr lvl="4"/>
             <a:r>
-              <a:rPr lang="en-US" smtClean="0"/>
+              <a:rPr lang="en-US"/>
               <a:t>Fifth level</a:t>
             </a:r>
             <a:endParaRPr lang="en-US" dirty="0"/>
@@ -1479,10 +1489,9 @@
           </a:lstStyle>
           <a:p>
             <a:r>
-              <a:rPr lang="en-US" dirty="0" smtClean="0"/>
+              <a:rPr lang="en-US" dirty="0"/>
               <a:t>©Concentrated Technology</a:t>
             </a:r>
-            <a:endParaRPr lang="en-US" dirty="0"/>
           </a:p>
         </p:txBody>
       </p:sp>
@@ -1527,10 +1536,9 @@
           <a:lstStyle/>
           <a:p>
             <a:r>
-              <a:rPr lang="en-US" smtClean="0"/>
+              <a:rPr lang="en-US"/>
               <a:t>Click to edit Master title style</a:t>
             </a:r>
-            <a:endParaRPr lang="en-US"/>
           </a:p>
         </p:txBody>
       </p:sp>
@@ -1568,10 +1576,9 @@
           </a:lstStyle>
           <a:p>
             <a:r>
-              <a:rPr lang="en-US" dirty="0" smtClean="0"/>
+              <a:rPr lang="en-US" dirty="0"/>
               <a:t>©Concentrated Technology</a:t>
             </a:r>
-            <a:endParaRPr lang="en-US" dirty="0"/>
           </a:p>
         </p:txBody>
       </p:sp>
@@ -1652,7 +1659,7 @@
           </a:lstStyle>
           <a:p>
             <a:r>
-              <a:rPr lang="en-US" smtClean="0"/>
+              <a:rPr lang="en-US"/>
               <a:t>Click to edit Master title style</a:t>
             </a:r>
             <a:endParaRPr lang="en-US" dirty="0"/>
@@ -1709,35 +1716,35 @@
           <a:p>
             <a:pPr lvl="0"/>
             <a:r>
-              <a:rPr lang="en-US" smtClean="0"/>
+              <a:rPr lang="en-US"/>
               <a:t>Click to edit Master text styles</a:t>
             </a:r>
           </a:p>
           <a:p>
             <a:pPr lvl="1"/>
             <a:r>
-              <a:rPr lang="en-US" smtClean="0"/>
+              <a:rPr lang="en-US"/>
               <a:t>Second level</a:t>
             </a:r>
           </a:p>
           <a:p>
             <a:pPr lvl="2"/>
             <a:r>
-              <a:rPr lang="en-US" smtClean="0"/>
+              <a:rPr lang="en-US"/>
               <a:t>Third level</a:t>
             </a:r>
           </a:p>
           <a:p>
             <a:pPr lvl="3"/>
             <a:r>
-              <a:rPr lang="en-US" smtClean="0"/>
+              <a:rPr lang="en-US"/>
               <a:t>Fourth level</a:t>
             </a:r>
           </a:p>
           <a:p>
             <a:pPr lvl="4"/>
             <a:r>
-              <a:rPr lang="en-US" smtClean="0"/>
+              <a:rPr lang="en-US"/>
               <a:t>Fifth level</a:t>
             </a:r>
             <a:endParaRPr lang="en-US" dirty="0"/>
@@ -1803,7 +1810,7 @@
           <a:p>
             <a:pPr lvl="0"/>
             <a:r>
-              <a:rPr lang="en-US" smtClean="0"/>
+              <a:rPr lang="en-US"/>
               <a:t>Click to edit Master text styles</a:t>
             </a:r>
           </a:p>
@@ -1878,10 +1885,9 @@
           </a:lstStyle>
           <a:p>
             <a:r>
-              <a:rPr lang="en-US" dirty="0" smtClean="0"/>
+              <a:rPr lang="en-US" dirty="0"/>
               <a:t>©Concentrated Technology</a:t>
             </a:r>
-            <a:endParaRPr lang="en-US" dirty="0"/>
           </a:p>
         </p:txBody>
       </p:sp>
@@ -1937,7 +1943,7 @@
           </a:lstStyle>
           <a:p>
             <a:r>
-              <a:rPr lang="en-US" smtClean="0"/>
+              <a:rPr lang="en-US"/>
               <a:t>Click to edit Master title style</a:t>
             </a:r>
             <a:endParaRPr lang="en-US" dirty="0"/>
@@ -2018,7 +2024,7 @@
           </a:lstStyle>
           <a:p>
             <a:r>
-              <a:rPr lang="en-US" smtClean="0"/>
+              <a:rPr lang="en-US"/>
               <a:t>Drag picture to placeholder or click icon to add</a:t>
             </a:r>
             <a:endParaRPr lang="en-US" dirty="0"/>
@@ -2084,7 +2090,7 @@
           <a:p>
             <a:pPr lvl="0"/>
             <a:r>
-              <a:rPr lang="en-US" smtClean="0"/>
+              <a:rPr lang="en-US"/>
               <a:t>Click to edit Master text styles</a:t>
             </a:r>
           </a:p>
@@ -2124,10 +2130,9 @@
           </a:lstStyle>
           <a:p>
             <a:r>
-              <a:rPr lang="en-US" dirty="0" smtClean="0"/>
+              <a:rPr lang="en-US" dirty="0"/>
               <a:t>©Concentrated Technology</a:t>
             </a:r>
-            <a:endParaRPr lang="en-US" dirty="0"/>
           </a:p>
         </p:txBody>
       </p:sp>
@@ -2233,7 +2238,7 @@
           <a:lstStyle/>
           <a:p>
             <a:r>
-              <a:rPr lang="en-US" smtClean="0"/>
+              <a:rPr lang="en-US"/>
               <a:t>Click to edit Master title style</a:t>
             </a:r>
             <a:endParaRPr lang="en-US" dirty="0"/>
@@ -2267,35 +2272,35 @@
           <a:p>
             <a:pPr lvl="0"/>
             <a:r>
-              <a:rPr lang="en-US" smtClean="0"/>
+              <a:rPr lang="en-US"/>
               <a:t>Click to edit Master text styles</a:t>
             </a:r>
           </a:p>
           <a:p>
             <a:pPr lvl="1"/>
             <a:r>
-              <a:rPr lang="en-US" smtClean="0"/>
+              <a:rPr lang="en-US"/>
               <a:t>Second level</a:t>
             </a:r>
           </a:p>
           <a:p>
             <a:pPr lvl="2"/>
             <a:r>
-              <a:rPr lang="en-US" smtClean="0"/>
+              <a:rPr lang="en-US"/>
               <a:t>Third level</a:t>
             </a:r>
           </a:p>
           <a:p>
             <a:pPr lvl="3"/>
             <a:r>
-              <a:rPr lang="en-US" smtClean="0"/>
+              <a:rPr lang="en-US"/>
               <a:t>Fourth level</a:t>
             </a:r>
           </a:p>
           <a:p>
             <a:pPr lvl="4"/>
             <a:r>
-              <a:rPr lang="en-US" smtClean="0"/>
+              <a:rPr lang="en-US"/>
               <a:t>Fifth level</a:t>
             </a:r>
             <a:endParaRPr lang="en-US" dirty="0"/>
@@ -2382,10 +2387,9 @@
           </a:lstStyle>
           <a:p>
             <a:r>
-              <a:rPr lang="en-US" dirty="0" smtClean="0"/>
+              <a:rPr lang="en-US" dirty="0"/>
               <a:t>©Concentrated Technology</a:t>
             </a:r>
-            <a:endParaRPr lang="en-US" dirty="0"/>
           </a:p>
         </p:txBody>
       </p:sp>
@@ -2725,10 +2729,9 @@
           <a:lstStyle/>
           <a:p>
             <a:r>
-              <a:rPr lang="en-US" dirty="0" smtClean="0"/>
+              <a:rPr lang="en-US" dirty="0"/>
               <a:t>Customizing Default Formatting</a:t>
             </a:r>
-            <a:endParaRPr lang="en-US" dirty="0"/>
           </a:p>
         </p:txBody>
       </p:sp>
@@ -2753,10 +2756,9 @@
           <a:lstStyle/>
           <a:p>
             <a:r>
-              <a:rPr lang="en-US" dirty="0" smtClean="0"/>
+              <a:rPr lang="en-US" dirty="0"/>
               <a:t>Module 08</a:t>
             </a:r>
-            <a:endParaRPr lang="en-US" dirty="0"/>
           </a:p>
         </p:txBody>
       </p:sp>
@@ -2806,14 +2808,13 @@
           <a:lstStyle/>
           <a:p>
             <a:r>
-              <a:rPr lang="en-US" smtClean="0"/>
+              <a:rPr lang="en-US"/>
               <a:t>Designing </a:t>
             </a:r>
             <a:r>
-              <a:rPr lang="en-US" dirty="0" smtClean="0"/>
+              <a:rPr lang="en-US" dirty="0"/>
               <a:t>Formatting</a:t>
             </a:r>
-            <a:endParaRPr lang="en-US" dirty="0"/>
           </a:p>
         </p:txBody>
       </p:sp>
@@ -2833,10 +2834,9 @@
           <a:lstStyle/>
           <a:p>
             <a:r>
-              <a:rPr lang="en-US" dirty="0" smtClean="0"/>
+              <a:rPr lang="en-US" dirty="0"/>
               <a:t>Lesson 1</a:t>
             </a:r>
-            <a:endParaRPr lang="en-US" dirty="0"/>
           </a:p>
         </p:txBody>
       </p:sp>
@@ -2888,17 +2888,16 @@
           <a:lstStyle/>
           <a:p>
             <a:r>
-              <a:rPr lang="en-US" dirty="0" smtClean="0"/>
+              <a:rPr lang="en-US" dirty="0"/>
               <a:t>Adding a type name to </a:t>
             </a:r>
             <a:br>
-              <a:rPr lang="en-US" dirty="0" smtClean="0"/>
+              <a:rPr lang="en-US" dirty="0"/>
             </a:br>
             <a:r>
-              <a:rPr lang="en-US" dirty="0" smtClean="0"/>
+              <a:rPr lang="en-US" dirty="0"/>
               <a:t>output objects</a:t>
             </a:r>
-            <a:endParaRPr lang="en-US" dirty="0"/>
           </a:p>
         </p:txBody>
       </p:sp>
@@ -2924,21 +2923,8 @@
           <a:p>
             <a:r>
               <a:rPr lang="en-US" dirty="0"/>
-              <a:t>V</a:t>
-            </a:r>
-            <a:r>
-              <a:rPr lang="en-US" dirty="0" smtClean="0"/>
-              <a:t>iews </a:t>
-            </a:r>
-            <a:r>
-              <a:rPr lang="en-US" dirty="0"/>
-              <a:t>are triggered by the type name of the object they </a:t>
-            </a:r>
-            <a:r>
-              <a:rPr lang="en-US" dirty="0" smtClean="0"/>
-              <a:t>display. </a:t>
-            </a:r>
-            <a:endParaRPr lang="en-US" dirty="0"/>
+              <a:t>Views are triggered by the type name of the object they display. </a:t>
+            </a:r>
           </a:p>
         </p:txBody>
       </p:sp>
@@ -3058,10 +3044,9 @@
           <a:lstStyle/>
           <a:p>
             <a:r>
-              <a:rPr lang="en-US" dirty="0" smtClean="0"/>
+              <a:rPr lang="en-US" dirty="0"/>
               <a:t>Making a view</a:t>
             </a:r>
-            <a:endParaRPr lang="en-US" dirty="0"/>
           </a:p>
         </p:txBody>
       </p:sp>
@@ -3105,30 +3090,18 @@
             </a:r>
             <a:r>
               <a:rPr lang="en-US" dirty="0"/>
-              <a:t>&gt; </a:t>
-            </a:r>
-            <a:r>
-              <a:rPr lang="en-US" dirty="0" smtClean="0"/>
-              <a:t>section.</a:t>
-            </a:r>
-          </a:p>
-          <a:p>
-            <a:r>
-              <a:rPr lang="en-US" dirty="0" smtClean="0"/>
-              <a:t>Save the file with a .ps1xml</a:t>
-            </a:r>
-            <a:r>
-              <a:rPr lang="en-US" dirty="0"/>
-              <a:t> </a:t>
-            </a:r>
-            <a:r>
-              <a:rPr lang="en-US" dirty="0" smtClean="0"/>
-              <a:t>extension.</a:t>
-            </a:r>
-          </a:p>
-          <a:p>
-            <a:r>
-              <a:rPr lang="en-US" dirty="0" smtClean="0"/>
+              <a:t>&gt; section.</a:t>
+            </a:r>
+          </a:p>
+          <a:p>
+            <a:r>
+              <a:rPr lang="en-US" dirty="0"/>
+              <a:t>Save the file with a .ps1xml extension.</a:t>
+            </a:r>
+          </a:p>
+          <a:p>
+            <a:r>
+              <a:rPr lang="en-US" dirty="0"/>
               <a:t> Add additional required tags.</a:t>
             </a:r>
           </a:p>
@@ -3253,10 +3226,9 @@
           <a:lstStyle/>
           <a:p>
             <a:r>
-              <a:rPr lang="en-US" dirty="0" smtClean="0"/>
+              <a:rPr lang="en-US" dirty="0"/>
               <a:t>Loading and debugging the view</a:t>
             </a:r>
-            <a:endParaRPr lang="en-US" dirty="0"/>
           </a:p>
         </p:txBody>
       </p:sp>
@@ -3279,23 +3251,7 @@
           <a:p>
             <a:r>
               <a:rPr lang="en-US" dirty="0"/>
-              <a:t>View files have to be loaded into memory within each new shell </a:t>
-            </a:r>
-            <a:r>
-              <a:rPr lang="en-US" dirty="0" smtClean="0"/>
-              <a:t>session</a:t>
-            </a:r>
-            <a:r>
-              <a:rPr lang="en-US" dirty="0"/>
-              <a:t> </a:t>
-            </a:r>
-            <a:r>
-              <a:rPr lang="en-US" dirty="0" smtClean="0"/>
-              <a:t>using </a:t>
-            </a:r>
-            <a:r>
-              <a:rPr lang="en-US" dirty="0"/>
-              <a:t>Update-</a:t>
+              <a:t>View files have to be loaded into memory within each new shell session using Update-</a:t>
             </a:r>
             <a:r>
               <a:rPr lang="en-US" dirty="0" err="1"/>
@@ -3305,11 +3261,10 @@
               <a:rPr lang="en-US" dirty="0"/>
               <a:t>. </a:t>
             </a:r>
-            <a:endParaRPr lang="en-US" dirty="0" smtClean="0"/>
-          </a:p>
-          <a:p>
-            <a:r>
-              <a:rPr lang="en-US" dirty="0" smtClean="0"/>
+          </a:p>
+          <a:p>
+            <a:r>
+              <a:rPr lang="en-US" dirty="0"/>
               <a:t>Column headers must match column properties:</a:t>
             </a:r>
           </a:p>
@@ -3344,12 +3299,8 @@
               <a:t> </a:t>
             </a:r>
             <a:r>
-              <a:rPr lang="en-US" i="1" dirty="0" smtClean="0"/>
-              <a:t>Update</a:t>
-            </a:r>
-            <a:r>
               <a:rPr lang="en-US" i="1" dirty="0"/>
-              <a:t>-</a:t>
+              <a:t>Update-</a:t>
             </a:r>
             <a:r>
               <a:rPr lang="en-US" i="1" dirty="0" err="1"/>
@@ -3365,12 +3316,8 @@
               <a:buNone/>
             </a:pPr>
             <a:r>
-              <a:rPr lang="en-US" i="1" dirty="0" smtClean="0"/>
-              <a:t> C</a:t>
-            </a:r>
-            <a:r>
               <a:rPr lang="en-US" i="1" dirty="0"/>
-              <a:t>:\test.format.ps1xml, Error at </a:t>
+              <a:t> C:\test.format.ps1xml, Error at </a:t>
             </a:r>
             <a:r>
               <a:rPr lang="en-US" i="1" dirty="0" err="1"/>
@@ -3383,12 +3330,8 @@
               <a:buNone/>
             </a:pPr>
             <a:r>
-              <a:rPr lang="en-US" i="1" dirty="0" smtClean="0"/>
-              <a:t> /</a:t>
-            </a:r>
-            <a:r>
               <a:rPr lang="en-US" i="1" dirty="0"/>
-              <a:t>Configuration/</a:t>
+              <a:t> /Configuration/</a:t>
             </a:r>
             <a:r>
               <a:rPr lang="en-US" i="1" dirty="0" err="1"/>
@@ -3412,32 +3355,20 @@
               <a:buNone/>
             </a:pPr>
             <a:r>
-              <a:rPr lang="en-US" dirty="0" smtClean="0"/>
-              <a:t> C</a:t>
-            </a:r>
-            <a:r>
-              <a:rPr lang="en-US" dirty="0"/>
-              <a:t>:\test.format.ps1xml: </a:t>
+              <a:rPr lang="en-US" dirty="0"/>
+              <a:t> C:\test.format.ps1xml: </a:t>
             </a:r>
             <a:r>
               <a:rPr lang="en-US" b="1" dirty="0"/>
-              <a:t>Header item count = 6 does not match default </a:t>
-            </a:r>
-            <a:r>
-              <a:rPr lang="en-US" b="1" dirty="0" smtClean="0"/>
-              <a:t>row</a:t>
+              <a:t>Header item count = 6 does not match default row</a:t>
             </a:r>
             <a:r>
               <a:rPr lang="en-US" dirty="0"/>
               <a:t> </a:t>
             </a:r>
             <a:r>
-              <a:rPr lang="en-US" b="1" dirty="0" smtClean="0"/>
-              <a:t>item </a:t>
-            </a:r>
-            <a:r>
               <a:rPr lang="en-US" b="1" dirty="0"/>
-              <a:t>count = 5</a:t>
+              <a:t>item count = 5</a:t>
             </a:r>
             <a:r>
               <a:rPr lang="en-US" dirty="0"/>
@@ -3525,10 +3456,9 @@
           <a:lstStyle/>
           <a:p>
             <a:r>
-              <a:rPr lang="en-US" dirty="0" smtClean="0"/>
+              <a:rPr lang="en-US" dirty="0"/>
               <a:t>Adding a view to a module</a:t>
             </a:r>
-            <a:endParaRPr lang="en-US" dirty="0"/>
           </a:p>
         </p:txBody>
       </p:sp>
@@ -3553,102 +3483,47 @@
           <a:lstStyle/>
           <a:p>
             <a:r>
-              <a:rPr lang="en-US" dirty="0" smtClean="0"/>
-              <a:t>Views can  </a:t>
-            </a:r>
-            <a:r>
-              <a:rPr lang="en-US" dirty="0"/>
-              <a:t>automatically load as part of a module. </a:t>
-            </a:r>
-            <a:endParaRPr lang="en-US" dirty="0" smtClean="0"/>
-          </a:p>
-          <a:p>
-            <a:r>
-              <a:rPr lang="en-US" dirty="0" smtClean="0"/>
-              <a:t>Copy </a:t>
-            </a:r>
-            <a:r>
-              <a:rPr lang="en-US" dirty="0"/>
-              <a:t>the view file to the module’s folder. </a:t>
-            </a:r>
-            <a:endParaRPr lang="en-US" dirty="0" smtClean="0"/>
-          </a:p>
-          <a:p>
-            <a:r>
-              <a:rPr lang="en-US" dirty="0"/>
-              <a:t>R</a:t>
-            </a:r>
-            <a:r>
-              <a:rPr lang="en-US" dirty="0" smtClean="0"/>
-              <a:t>e</a:t>
-            </a:r>
-            <a:r>
-              <a:rPr lang="en-US" dirty="0"/>
-              <a:t>-create the module’s manifest (.psd1 file</a:t>
-            </a:r>
-            <a:r>
-              <a:rPr lang="en-US" dirty="0" smtClean="0"/>
-              <a:t>)</a:t>
-            </a:r>
-            <a:r>
-              <a:rPr lang="en-US" dirty="0"/>
-              <a:t> </a:t>
-            </a:r>
-            <a:r>
-              <a:rPr lang="en-US" dirty="0" smtClean="0"/>
-              <a:t>and include </a:t>
-            </a:r>
-            <a:r>
-              <a:rPr lang="en-US" dirty="0"/>
-              <a:t>the </a:t>
-            </a:r>
-            <a:r>
-              <a:rPr lang="en-US" dirty="0" smtClean="0"/>
-              <a:t>-</a:t>
-            </a:r>
-            <a:r>
-              <a:rPr lang="en-US" dirty="0" err="1" smtClean="0"/>
+              <a:rPr lang="en-US" dirty="0"/>
+              <a:t>Views can  automatically load as part of a module. </a:t>
+            </a:r>
+          </a:p>
+          <a:p>
+            <a:r>
+              <a:rPr lang="en-US" dirty="0"/>
+              <a:t>Copy the view file to the module’s folder. </a:t>
+            </a:r>
+          </a:p>
+          <a:p>
+            <a:r>
+              <a:rPr lang="en-US" dirty="0"/>
+              <a:t>Re-create the module’s manifest (.psd1 file) and include the -</a:t>
+            </a:r>
+            <a:r>
+              <a:rPr lang="en-US" dirty="0" err="1"/>
               <a:t>FormatsToProcess</a:t>
             </a:r>
             <a:r>
-              <a:rPr lang="en-US" dirty="0" smtClean="0"/>
-              <a:t> </a:t>
-            </a:r>
-            <a:r>
-              <a:rPr lang="en-US" dirty="0"/>
-              <a:t>parameter of </a:t>
-            </a:r>
-            <a:r>
-              <a:rPr lang="en-US" dirty="0" smtClean="0"/>
-              <a:t>New-</a:t>
-            </a:r>
-            <a:r>
-              <a:rPr lang="en-US" dirty="0" err="1" smtClean="0"/>
+              <a:rPr lang="en-US" dirty="0"/>
+              <a:t> parameter of New-</a:t>
+            </a:r>
+            <a:r>
+              <a:rPr lang="en-US" dirty="0" err="1"/>
               <a:t>ModuleManifest</a:t>
             </a:r>
             <a:r>
               <a:rPr lang="en-US" dirty="0"/>
               <a:t>. </a:t>
             </a:r>
-            <a:endParaRPr lang="en-US" dirty="0" smtClean="0"/>
-          </a:p>
-          <a:p>
-            <a:r>
-              <a:rPr lang="en-US" dirty="0" smtClean="0"/>
-              <a:t>This parameter </a:t>
-            </a:r>
-            <a:r>
-              <a:rPr lang="en-US" dirty="0"/>
-              <a:t>accepts the filename of your view file, and will cause the view file to load along with the </a:t>
-            </a:r>
-            <a:r>
-              <a:rPr lang="en-US" dirty="0" smtClean="0"/>
-              <a:t>module.</a:t>
-            </a:r>
-          </a:p>
-          <a:p>
-            <a:r>
-              <a:rPr lang="en-US" dirty="0" smtClean="0"/>
+          </a:p>
+          <a:p>
+            <a:r>
+              <a:rPr lang="en-US" dirty="0"/>
+              <a:t>This parameter accepts the filename of your view file, and will cause the view file to load along with the module.</a:t>
+            </a:r>
+          </a:p>
+          <a:p>
+            <a:r>
+              <a:rPr lang="en-US" dirty="0"/>
               <a:t> </a:t>
             </a:r>
           </a:p>
@@ -3734,10 +3609,9 @@
           <a:p>
             <a:pPr algn="ctr"/>
             <a:r>
-              <a:rPr lang="en-US" dirty="0" smtClean="0"/>
+              <a:rPr lang="en-US" dirty="0"/>
               <a:t>Lab A</a:t>
             </a:r>
-            <a:endParaRPr lang="en-US" dirty="0"/>
           </a:p>
         </p:txBody>
       </p:sp>
@@ -3783,7 +3657,7 @@
           <a:p>
             <a:pPr algn="ctr"/>
             <a:r>
-              <a:rPr lang="en-US" dirty="0" smtClean="0"/>
+              <a:rPr lang="en-US" dirty="0"/>
               <a:t>60 Minutes</a:t>
             </a:r>
           </a:p>
@@ -3794,21 +3668,21 @@
           <a:p>
             <a:pPr algn="ctr"/>
             <a:r>
-              <a:rPr lang="en-US" b="1" dirty="0" smtClean="0"/>
+              <a:rPr lang="en-US" b="1" dirty="0"/>
               <a:t>CLIENT</a:t>
             </a:r>
           </a:p>
           <a:p>
             <a:pPr algn="ctr"/>
             <a:r>
-              <a:rPr lang="en-US" b="1" dirty="0" smtClean="0"/>
+              <a:rPr lang="en-US" b="1" dirty="0"/>
               <a:t>MEMBER</a:t>
             </a:r>
           </a:p>
           <a:p>
             <a:pPr algn="ctr"/>
             <a:r>
-              <a:rPr lang="en-US" b="1" dirty="0" smtClean="0"/>
+              <a:rPr lang="en-US" b="1" dirty="0"/>
               <a:t>DC</a:t>
             </a:r>
           </a:p>
@@ -3819,17 +3693,16 @@
           <a:p>
             <a:pPr algn="ctr"/>
             <a:r>
-              <a:rPr lang="en-US" b="1" dirty="0" smtClean="0"/>
+              <a:rPr lang="en-US" b="1" dirty="0"/>
               <a:t>Administrator</a:t>
             </a:r>
             <a:br>
-              <a:rPr lang="en-US" b="1" dirty="0" smtClean="0"/>
+              <a:rPr lang="en-US" b="1" dirty="0"/>
             </a:br>
             <a:r>
-              <a:rPr lang="en-US" b="1" dirty="0" smtClean="0"/>
+              <a:rPr lang="en-US" b="1" dirty="0"/>
               <a:t>P@ssw0rd</a:t>
             </a:r>
-            <a:endParaRPr lang="en-US" b="1" dirty="0"/>
           </a:p>
         </p:txBody>
       </p:sp>
@@ -3909,10 +3782,9 @@
           <a:lstStyle/>
           <a:p>
             <a:r>
-              <a:rPr lang="en-US" dirty="0" smtClean="0"/>
+              <a:rPr lang="en-US" dirty="0"/>
               <a:t>Conclusion</a:t>
             </a:r>
-            <a:endParaRPr lang="en-US" dirty="0"/>
           </a:p>
         </p:txBody>
       </p:sp>

--- a/Powerpoint/Module08-CustomizingFormat.pptx
+++ b/Powerpoint/Module08-CustomizingFormat.pptx
@@ -3484,7 +3484,7 @@
           <a:p>
             <a:r>
               <a:rPr lang="en-US" dirty="0"/>
-              <a:t>Views can  automatically load as part of a module. </a:t>
+              <a:t>Views can automatically load as part of a module. </a:t>
             </a:r>
           </a:p>
           <a:p>
@@ -3496,18 +3496,40 @@
           <a:p>
             <a:r>
               <a:rPr lang="en-US" dirty="0"/>
-              <a:t>Re-create the module’s manifest (.psd1 file) and include the -</a:t>
-            </a:r>
-            <a:r>
-              <a:rPr lang="en-US" dirty="0" err="1"/>
+              <a:t>Re-create the module’s manifest (.psd1 file) and include the </a:t>
+            </a:r>
+            <a:r>
+              <a:rPr lang="en-US" dirty="0">
+                <a:latin typeface="Consolas" panose="020B0609020204030204" pitchFamily="49" charset="0"/>
+              </a:rPr>
+              <a:t>-</a:t>
+            </a:r>
+            <a:r>
+              <a:rPr lang="en-US" dirty="0" err="1">
+                <a:latin typeface="Consolas" panose="020B0609020204030204" pitchFamily="49" charset="0"/>
+              </a:rPr>
               <a:t>FormatsToProcess</a:t>
             </a:r>
             <a:r>
-              <a:rPr lang="en-US" dirty="0"/>
-              <a:t> parameter of New-</a:t>
-            </a:r>
-            <a:r>
-              <a:rPr lang="en-US" dirty="0" err="1"/>
+              <a:rPr lang="en-US" dirty="0">
+                <a:latin typeface="Consolas" panose="020B0609020204030204" pitchFamily="49" charset="0"/>
+              </a:rPr>
+              <a:t> </a:t>
+            </a:r>
+            <a:r>
+              <a:rPr lang="en-US" dirty="0"/>
+              <a:t>parameter of </a:t>
+            </a:r>
+            <a:r>
+              <a:rPr lang="en-US" dirty="0">
+                <a:latin typeface="Consolas" panose="020B0609020204030204" pitchFamily="49" charset="0"/>
+              </a:rPr>
+              <a:t>New-</a:t>
+            </a:r>
+            <a:r>
+              <a:rPr lang="en-US" dirty="0" err="1">
+                <a:latin typeface="Consolas" panose="020B0609020204030204" pitchFamily="49" charset="0"/>
+              </a:rPr>
               <a:t>ModuleManifest</a:t>
             </a:r>
             <a:r>
@@ -3518,13 +3540,14 @@
           <a:p>
             <a:r>
               <a:rPr lang="en-US" dirty="0"/>
-              <a:t>This parameter accepts the filename of your view file, and will cause the view file to load along with the module.</a:t>
-            </a:r>
-          </a:p>
-          <a:p>
-            <a:r>
-              <a:rPr lang="en-US" dirty="0"/>
-              <a:t> </a:t>
+              <a:t>This parameter accepts the filename of your view file, </a:t>
+            </a:r>
+            <a:br>
+              <a:rPr lang="en-US" dirty="0"/>
+            </a:br>
+            <a:r>
+              <a:rPr lang="en-US" dirty="0"/>
+              <a:t>and will cause the view file to load along with the module.</a:t>
             </a:r>
           </a:p>
           <a:p>
